--- a/아두이노로 제어되는 유모차.pptx
+++ b/아두이노로 제어되는 유모차.pptx
@@ -2828,11 +2828,11 @@
           <c:showPercent val="0"/>
           <c:showBubbleSize val="0"/>
         </c:dLbls>
-        <c:axId val="162119680"/>
-        <c:axId val="162121216"/>
+        <c:axId val="33189376"/>
+        <c:axId val="105690752"/>
       </c:areaChart>
       <c:catAx>
-        <c:axId val="162119680"/>
+        <c:axId val="33189376"/>
         <c:scaling>
           <c:orientation val="minMax"/>
         </c:scaling>
@@ -2880,7 +2880,7 @@
             <a:endParaRPr lang="ko-KR"/>
           </a:p>
         </c:txPr>
-        <c:crossAx val="162121216"/>
+        <c:crossAx val="105690752"/>
         <c:crosses val="autoZero"/>
         <c:auto val="1"/>
         <c:lblAlgn val="ctr"/>
@@ -2888,7 +2888,7 @@
         <c:noMultiLvlLbl val="1"/>
       </c:catAx>
       <c:valAx>
-        <c:axId val="162121216"/>
+        <c:axId val="105690752"/>
         <c:scaling>
           <c:orientation val="minMax"/>
         </c:scaling>
@@ -2940,7 +2940,7 @@
             <a:endParaRPr lang="ko-KR"/>
           </a:p>
         </c:txPr>
-        <c:crossAx val="162119680"/>
+        <c:crossAx val="33189376"/>
         <c:crosses val="autoZero"/>
         <c:crossBetween val="midCat"/>
         <c:majorUnit val="150"/>
@@ -4907,7 +4907,7 @@
           </a:ln>
           <a:extLst>
             <a:ext uri="{C572A759-6A51-4108-AA02-DFA0A04FC94B}">
-              <ma14:wrappingTextBoxFlag xmlns:ma14="http://schemas.microsoft.com/office/mac/drawingml/2011/main" xmlns="" val="1"/>
+              <ma14:wrappingTextBoxFlag xmlns="" xmlns:ma14="http://schemas.microsoft.com/office/mac/drawingml/2011/main" val="1"/>
             </a:ext>
           </a:extLst>
         </p:spPr>
@@ -4958,7 +4958,7 @@
           </a:ln>
           <a:extLst>
             <a:ext uri="{C572A759-6A51-4108-AA02-DFA0A04FC94B}">
-              <ma14:wrappingTextBoxFlag xmlns:ma14="http://schemas.microsoft.com/office/mac/drawingml/2011/main" xmlns="" val="1"/>
+              <ma14:wrappingTextBoxFlag xmlns="" xmlns:ma14="http://schemas.microsoft.com/office/mac/drawingml/2011/main" val="1"/>
             </a:ext>
           </a:extLst>
         </p:spPr>
@@ -5813,8 +5813,8 @@
         </p:nvSpPr>
         <p:spPr>
           <a:xfrm>
-            <a:off x="2700128" y="3371684"/>
-            <a:ext cx="4164602" cy="738664"/>
+            <a:off x="2891687" y="3371684"/>
+            <a:ext cx="3781484" cy="738664"/>
           </a:xfrm>
           <a:prstGeom prst="rect">
             <a:avLst/>
@@ -5829,7 +5829,7 @@
           </a:effectLst>
           <a:extLst>
             <a:ext uri="{C572A759-6A51-4108-AA02-DFA0A04FC94B}">
-              <ma14:wrappingTextBoxFlag xmlns:ma14="http://schemas.microsoft.com/office/mac/drawingml/2011/main" xmlns="" val="1"/>
+              <ma14:wrappingTextBoxFlag xmlns="" xmlns:ma14="http://schemas.microsoft.com/office/mac/drawingml/2011/main" val="1"/>
             </a:ext>
           </a:extLst>
         </p:spPr>
@@ -5855,36 +5855,12 @@
               </a:defRPr>
             </a:pPr>
             <a:r>
-              <a:rPr lang="en-US" sz="4800" b="1" dirty="0" err="1" smtClean="0">
-                <a:solidFill>
-                  <a:srgbClr val="000000"/>
+              <a:rPr lang="en-US" sz="4800" b="1" dirty="0" smtClean="0">
+                <a:solidFill>
+                  <a:schemeClr val="tx1"/>
                 </a:solidFill>
               </a:rPr>
-              <a:t>S</a:t>
-            </a:r>
-            <a:r>
-              <a:rPr lang="en-US" sz="4800" b="1" dirty="0" err="1">
-                <a:solidFill>
-                  <a:schemeClr val="tx1"/>
-                </a:solidFill>
-              </a:rPr>
-              <a:t>S</a:t>
-            </a:r>
-            <a:r>
-              <a:rPr lang="en-US" sz="4800" b="1" dirty="0" err="1" smtClean="0">
-                <a:solidFill>
-                  <a:schemeClr val="tx1"/>
-                </a:solidFill>
-              </a:rPr>
-              <a:t>afety</a:t>
-            </a:r>
-            <a:r>
-              <a:rPr lang="en-US" sz="4800" b="1" dirty="0" smtClean="0">
-                <a:solidFill>
-                  <a:schemeClr val="tx1"/>
-                </a:solidFill>
-              </a:rPr>
-              <a:t> </a:t>
+              <a:t>Safety </a:t>
             </a:r>
             <a:r>
               <a:rPr lang="ko-KR" altLang="en-US" sz="4800" b="1" dirty="0" smtClean="0">
@@ -6160,8 +6136,8 @@
           </p:nvSpPr>
           <p:spPr>
             <a:xfrm>
-              <a:off x="310150" y="1156158"/>
-              <a:ext cx="2065761" cy="373735"/>
+              <a:off x="378279" y="1156158"/>
+              <a:ext cx="1929504" cy="373735"/>
             </a:xfrm>
             <a:prstGeom prst="rect">
               <a:avLst/>
@@ -6178,7 +6154,7 @@
             </a:effectLst>
             <a:extLst>
               <a:ext uri="{C572A759-6A51-4108-AA02-DFA0A04FC94B}">
-                <ma14:wrappingTextBoxFlag xmlns:ma14="http://schemas.microsoft.com/office/mac/drawingml/2011/main" xmlns="" val="1"/>
+                <ma14:wrappingTextBoxFlag xmlns="" xmlns:ma14="http://schemas.microsoft.com/office/mac/drawingml/2011/main" val="1"/>
               </a:ext>
             </a:extLst>
           </p:spPr>
@@ -6209,7 +6185,7 @@
                     <a:schemeClr val="tx1"/>
                   </a:solidFill>
                 </a:rPr>
-                <a:t>Team My </a:t>
+                <a:t>Team </a:t>
               </a:r>
               <a:r>
                 <a:rPr lang="en-US" sz="3200" b="1" dirty="0" err="1" smtClean="0">
@@ -6217,7 +6193,7 @@
                     <a:schemeClr val="tx1"/>
                   </a:solidFill>
                 </a:rPr>
-                <a:t>WaY</a:t>
+                <a:t>MyWaY</a:t>
               </a:r>
               <a:endParaRPr sz="3200" b="1" dirty="0">
                 <a:solidFill>
@@ -6510,7 +6486,7 @@
             </a:effectLst>
             <a:extLst>
               <a:ext uri="{C572A759-6A51-4108-AA02-DFA0A04FC94B}">
-                <ma14:wrappingTextBoxFlag xmlns:ma14="http://schemas.microsoft.com/office/mac/drawingml/2011/main" xmlns="" val="1"/>
+                <ma14:wrappingTextBoxFlag xmlns="" xmlns:ma14="http://schemas.microsoft.com/office/mac/drawingml/2011/main" val="1"/>
               </a:ext>
             </a:extLst>
           </p:spPr>
@@ -6949,7 +6925,7 @@
           </a:effectLst>
           <a:extLst>
             <a:ext uri="{C572A759-6A51-4108-AA02-DFA0A04FC94B}">
-              <ma14:wrappingTextBoxFlag xmlns:ma14="http://schemas.microsoft.com/office/mac/drawingml/2011/main" xmlns="" val="1"/>
+              <ma14:wrappingTextBoxFlag xmlns="" xmlns:ma14="http://schemas.microsoft.com/office/mac/drawingml/2011/main" val="1"/>
             </a:ext>
           </a:extLst>
         </p:spPr>
@@ -6987,104 +6963,6 @@
                 <a:srgbClr val="90D7DA"/>
               </a:solidFill>
             </a:endParaRPr>
-          </a:p>
-        </p:txBody>
-      </p:sp>
-      <p:sp>
-        <p:nvSpPr>
-          <p:cNvPr id="96" name="Shape 96"/>
-          <p:cNvSpPr/>
-          <p:nvPr/>
-        </p:nvSpPr>
-        <p:spPr>
-          <a:xfrm>
-            <a:off x="279637" y="1282700"/>
-            <a:ext cx="12445536" cy="7962900"/>
-          </a:xfrm>
-          <a:custGeom>
-            <a:avLst/>
-            <a:gdLst/>
-            <a:ahLst/>
-            <a:cxnLst>
-              <a:cxn ang="0">
-                <a:pos x="wd2" y="hd2"/>
-              </a:cxn>
-              <a:cxn ang="5400000">
-                <a:pos x="wd2" y="hd2"/>
-              </a:cxn>
-              <a:cxn ang="10800000">
-                <a:pos x="wd2" y="hd2"/>
-              </a:cxn>
-              <a:cxn ang="16200000">
-                <a:pos x="wd2" y="hd2"/>
-              </a:cxn>
-            </a:cxnLst>
-            <a:rect l="0" t="0" r="r" b="b"/>
-            <a:pathLst>
-              <a:path w="21455" h="21600" extrusionOk="0">
-                <a:moveTo>
-                  <a:pt x="1480" y="69"/>
-                </a:moveTo>
-                <a:lnTo>
-                  <a:pt x="21371" y="0"/>
-                </a:lnTo>
-                <a:cubicBezTo>
-                  <a:pt x="21247" y="3598"/>
-                  <a:pt x="21247" y="7202"/>
-                  <a:pt x="21371" y="10800"/>
-                </a:cubicBezTo>
-                <a:cubicBezTo>
-                  <a:pt x="21433" y="12601"/>
-                  <a:pt x="21525" y="14410"/>
-                  <a:pt x="21371" y="16200"/>
-                </a:cubicBezTo>
-                <a:cubicBezTo>
-                  <a:pt x="21207" y="18096"/>
-                  <a:pt x="20772" y="19916"/>
-                  <a:pt x="20095" y="21531"/>
-                </a:cubicBezTo>
-                <a:lnTo>
-                  <a:pt x="91" y="21600"/>
-                </a:lnTo>
-                <a:cubicBezTo>
-                  <a:pt x="223" y="18003"/>
-                  <a:pt x="223" y="14397"/>
-                  <a:pt x="91" y="10800"/>
-                </a:cubicBezTo>
-                <a:cubicBezTo>
-                  <a:pt x="24" y="8999"/>
-                  <a:pt x="-75" y="7188"/>
-                  <a:pt x="91" y="5400"/>
-                </a:cubicBezTo>
-                <a:cubicBezTo>
-                  <a:pt x="268" y="3482"/>
-                  <a:pt x="745" y="1655"/>
-                  <a:pt x="1480" y="69"/>
-                </a:cubicBezTo>
-                <a:close/>
-              </a:path>
-            </a:pathLst>
-          </a:custGeom>
-          <a:ln>
-            <a:solidFill>
-              <a:srgbClr val="12DBE3"/>
-            </a:solidFill>
-            <a:miter lim="400000"/>
-          </a:ln>
-          <a:effectLst>
-            <a:outerShdw blurRad="101600" dist="100889" dir="5400000" rotWithShape="0">
-              <a:srgbClr val="00A6AC"/>
-            </a:outerShdw>
-          </a:effectLst>
-        </p:spPr>
-        <p:txBody>
-          <a:bodyPr lIns="0" tIns="0" rIns="0" bIns="0" anchor="ctr"/>
-          <a:lstStyle/>
-          <a:p>
-            <a:pPr lvl="0">
-              <a:defRPr sz="2600"/>
-            </a:pPr>
-            <a:endParaRPr/>
           </a:p>
         </p:txBody>
       </p:sp>
@@ -7112,7 +6990,7 @@
           </a:effectLst>
           <a:extLst>
             <a:ext uri="{C572A759-6A51-4108-AA02-DFA0A04FC94B}">
-              <ma14:wrappingTextBoxFlag xmlns:ma14="http://schemas.microsoft.com/office/mac/drawingml/2011/main" xmlns="" val="1"/>
+              <ma14:wrappingTextBoxFlag xmlns="" xmlns:ma14="http://schemas.microsoft.com/office/mac/drawingml/2011/main" val="1"/>
             </a:ext>
           </a:extLst>
         </p:spPr>
@@ -7225,8 +7103,8 @@
         </p:nvSpPr>
         <p:spPr>
           <a:xfrm>
-            <a:off x="1373192" y="2295544"/>
-            <a:ext cx="9182001" cy="1210588"/>
+            <a:off x="1031804" y="1734786"/>
+            <a:ext cx="11514371" cy="5027017"/>
           </a:xfrm>
           <a:prstGeom prst="rect">
             <a:avLst/>
@@ -7273,10 +7151,48 @@
               <a:tabLst/>
             </a:pPr>
             <a:r>
-              <a:rPr lang="ko-KR" altLang="en-US" dirty="0" smtClean="0"/>
-              <a:t>부모님의 부주의나 예상치 못한 위험에 의한</a:t>
+              <a:rPr kumimoji="0" lang="ko-KR" altLang="en-US" sz="4000" b="1" i="0" u="none" strike="noStrike" cap="none" spc="0" normalizeH="0" baseline="0" dirty="0" smtClean="0">
+                <a:ln>
+                  <a:noFill/>
+                </a:ln>
+                <a:solidFill>
+                  <a:srgbClr val="FFFFFF"/>
+                </a:solidFill>
+                <a:effectLst/>
+                <a:uFillTx/>
+                <a:sym typeface="Apple SD 산돌고딕 Neo 옅은체"/>
+              </a:rPr>
+              <a:t>현재 </a:t>
             </a:r>
-            <a:endParaRPr lang="en-US" altLang="ko-KR" dirty="0"/>
+            <a:r>
+              <a:rPr lang="ko-KR" altLang="en-US" sz="4000" b="1" dirty="0" smtClean="0"/>
+              <a:t>상용화된 </a:t>
+            </a:r>
+            <a:r>
+              <a:rPr kumimoji="0" lang="ko-KR" altLang="en-US" sz="4000" b="1" i="0" u="none" strike="noStrike" cap="none" spc="0" normalizeH="0" baseline="0" dirty="0" smtClean="0">
+                <a:ln>
+                  <a:noFill/>
+                </a:ln>
+                <a:solidFill>
+                  <a:srgbClr val="FFFFFF"/>
+                </a:solidFill>
+                <a:effectLst/>
+                <a:uFillTx/>
+                <a:sym typeface="Apple SD 산돌고딕 Neo 옅은체"/>
+              </a:rPr>
+              <a:t>유모차는 수동으로만 멈출 수 있어 </a:t>
+            </a:r>
+            <a:endParaRPr kumimoji="0" lang="en-US" altLang="ko-KR" sz="4000" b="1" i="0" u="none" strike="noStrike" cap="none" spc="0" normalizeH="0" baseline="0" dirty="0" smtClean="0">
+              <a:ln>
+                <a:noFill/>
+              </a:ln>
+              <a:solidFill>
+                <a:srgbClr val="FFFFFF"/>
+              </a:solidFill>
+              <a:effectLst/>
+              <a:uFillTx/>
+              <a:sym typeface="Apple SD 산돌고딕 Neo 옅은체"/>
+            </a:endParaRPr>
           </a:p>
           <a:p>
             <a:pPr marL="0" marR="0" indent="0" algn="l" defTabSz="584200" rtl="0" fontAlgn="auto" latinLnBrk="1" hangingPunct="0">
@@ -7296,10 +7212,20 @@
               <a:tabLst/>
             </a:pPr>
             <a:r>
-              <a:rPr lang="ko-KR" altLang="en-US" dirty="0" smtClean="0"/>
-              <a:t>아이의 안전을 최우선으로 하 </a:t>
+              <a:rPr kumimoji="0" lang="ko-KR" altLang="en-US" sz="4000" b="1" i="0" u="none" strike="noStrike" cap="none" spc="0" normalizeH="0" baseline="0" dirty="0" smtClean="0">
+                <a:ln>
+                  <a:noFill/>
+                </a:ln>
+                <a:solidFill>
+                  <a:srgbClr val="FFFFFF"/>
+                </a:solidFill>
+                <a:effectLst/>
+                <a:uFillTx/>
+                <a:sym typeface="Apple SD 산돌고딕 Neo 옅은체"/>
+              </a:rPr>
+              <a:t>안전성이 부족하여 아이의 안전성이 우려됨</a:t>
             </a:r>
-            <a:endParaRPr kumimoji="0" lang="ko-KR" altLang="en-US" sz="3600" b="0" i="0" u="none" strike="noStrike" cap="none" spc="0" normalizeH="0" baseline="0" dirty="0">
+            <a:endParaRPr kumimoji="0" lang="en-US" altLang="ko-KR" sz="4000" b="1" i="0" u="none" strike="noStrike" cap="none" spc="0" normalizeH="0" baseline="0" dirty="0" smtClean="0">
               <a:ln>
                 <a:noFill/>
               </a:ln>
@@ -7308,11 +7234,346 @@
               </a:solidFill>
               <a:effectLst/>
               <a:uFillTx/>
-              <a:latin typeface="+mn-lt"/>
-              <a:ea typeface="+mn-ea"/>
-              <a:cs typeface="+mn-cs"/>
               <a:sym typeface="Apple SD 산돌고딕 Neo 옅은체"/>
             </a:endParaRPr>
+          </a:p>
+          <a:p>
+            <a:pPr marL="0" marR="0" indent="0" algn="l" defTabSz="584200" rtl="0" fontAlgn="auto" latinLnBrk="1" hangingPunct="0">
+              <a:lnSpc>
+                <a:spcPct val="100000"/>
+              </a:lnSpc>
+              <a:spcBef>
+                <a:spcPts val="0"/>
+              </a:spcBef>
+              <a:spcAft>
+                <a:spcPts val="0"/>
+              </a:spcAft>
+              <a:buClrTx/>
+              <a:buSzTx/>
+              <a:buFontTx/>
+              <a:buNone/>
+              <a:tabLst/>
+            </a:pPr>
+            <a:endParaRPr lang="en-US" altLang="ko-KR" sz="4000" b="1" dirty="0"/>
+          </a:p>
+          <a:p>
+            <a:pPr marL="0" marR="0" indent="0" algn="l" defTabSz="584200" rtl="0" fontAlgn="auto" latinLnBrk="1" hangingPunct="0">
+              <a:lnSpc>
+                <a:spcPct val="100000"/>
+              </a:lnSpc>
+              <a:spcBef>
+                <a:spcPts val="0"/>
+              </a:spcBef>
+              <a:spcAft>
+                <a:spcPts val="0"/>
+              </a:spcAft>
+              <a:buClrTx/>
+              <a:buSzTx/>
+              <a:buFontTx/>
+              <a:buNone/>
+              <a:tabLst/>
+            </a:pPr>
+            <a:r>
+              <a:rPr lang="ko-KR" altLang="en-US" sz="4000" b="1" dirty="0" smtClean="0"/>
+              <a:t>기본 유모차에 </a:t>
+            </a:r>
+            <a:r>
+              <a:rPr lang="ko-KR" altLang="en-US" sz="4000" b="1" dirty="0" err="1" smtClean="0"/>
+              <a:t>아두이노</a:t>
+            </a:r>
+            <a:r>
+              <a:rPr lang="ko-KR" altLang="en-US" sz="4000" b="1" dirty="0" smtClean="0"/>
+              <a:t> 센서 및 자동제어 장치를</a:t>
+            </a:r>
+            <a:endParaRPr lang="en-US" altLang="ko-KR" sz="4000" b="1" dirty="0" smtClean="0"/>
+          </a:p>
+          <a:p>
+            <a:pPr marL="0" marR="0" indent="0" algn="l" defTabSz="584200" rtl="0" fontAlgn="auto" latinLnBrk="1" hangingPunct="0">
+              <a:lnSpc>
+                <a:spcPct val="100000"/>
+              </a:lnSpc>
+              <a:spcBef>
+                <a:spcPts val="0"/>
+              </a:spcBef>
+              <a:spcAft>
+                <a:spcPts val="0"/>
+              </a:spcAft>
+              <a:buClrTx/>
+              <a:buSzTx/>
+              <a:buFontTx/>
+              <a:buNone/>
+              <a:tabLst/>
+            </a:pPr>
+            <a:r>
+              <a:rPr kumimoji="0" lang="ko-KR" altLang="en-US" sz="4000" b="1" i="0" u="none" strike="noStrike" cap="none" spc="0" normalizeH="0" baseline="0" dirty="0" smtClean="0">
+                <a:ln>
+                  <a:noFill/>
+                </a:ln>
+                <a:solidFill>
+                  <a:srgbClr val="FFFFFF"/>
+                </a:solidFill>
+                <a:effectLst/>
+                <a:uFillTx/>
+                <a:sym typeface="Apple SD 산돌고딕 Neo 옅은체"/>
+              </a:rPr>
+              <a:t>부착하고 </a:t>
+            </a:r>
+            <a:r>
+              <a:rPr kumimoji="0" lang="ko-KR" altLang="en-US" sz="4000" b="1" i="0" u="none" strike="noStrike" cap="none" spc="0" normalizeH="0" baseline="0" dirty="0" err="1" smtClean="0">
+                <a:ln>
+                  <a:noFill/>
+                </a:ln>
+                <a:solidFill>
+                  <a:srgbClr val="FFFFFF"/>
+                </a:solidFill>
+                <a:effectLst/>
+                <a:uFillTx/>
+                <a:sym typeface="Apple SD 산돌고딕 Neo 옅은체"/>
+              </a:rPr>
+              <a:t>블루투스로</a:t>
+            </a:r>
+            <a:r>
+              <a:rPr kumimoji="0" lang="ko-KR" altLang="en-US" sz="4000" b="1" i="0" u="none" strike="noStrike" cap="none" spc="0" normalizeH="0" baseline="0" dirty="0" smtClean="0">
+                <a:ln>
+                  <a:noFill/>
+                </a:ln>
+                <a:solidFill>
+                  <a:srgbClr val="FFFFFF"/>
+                </a:solidFill>
+                <a:effectLst/>
+                <a:uFillTx/>
+                <a:sym typeface="Apple SD 산돌고딕 Neo 옅은체"/>
+              </a:rPr>
+              <a:t> </a:t>
+            </a:r>
+            <a:r>
+              <a:rPr kumimoji="0" lang="ko-KR" altLang="en-US" sz="4000" b="1" i="0" u="none" strike="noStrike" cap="none" spc="0" normalizeH="0" baseline="0" dirty="0" err="1" smtClean="0">
+                <a:ln>
+                  <a:noFill/>
+                </a:ln>
+                <a:solidFill>
+                  <a:srgbClr val="FFFFFF"/>
+                </a:solidFill>
+                <a:effectLst/>
+                <a:uFillTx/>
+                <a:sym typeface="Apple SD 산돌고딕 Neo 옅은체"/>
+              </a:rPr>
+              <a:t>스마트폰</a:t>
+            </a:r>
+            <a:r>
+              <a:rPr kumimoji="0" lang="ko-KR" altLang="en-US" sz="4000" b="1" i="0" u="none" strike="noStrike" cap="none" spc="0" normalizeH="0" baseline="0" dirty="0" smtClean="0">
+                <a:ln>
+                  <a:noFill/>
+                </a:ln>
+                <a:solidFill>
+                  <a:srgbClr val="FFFFFF"/>
+                </a:solidFill>
+                <a:effectLst/>
+                <a:uFillTx/>
+                <a:sym typeface="Apple SD 산돌고딕 Neo 옅은체"/>
+              </a:rPr>
+              <a:t> </a:t>
+            </a:r>
+            <a:r>
+              <a:rPr kumimoji="0" lang="ko-KR" altLang="en-US" sz="4000" b="1" i="0" u="none" strike="noStrike" cap="none" spc="0" normalizeH="0" baseline="0" dirty="0" err="1" smtClean="0">
+                <a:ln>
+                  <a:noFill/>
+                </a:ln>
+                <a:solidFill>
+                  <a:srgbClr val="FFFFFF"/>
+                </a:solidFill>
+                <a:effectLst/>
+                <a:uFillTx/>
+                <a:sym typeface="Apple SD 산돌고딕 Neo 옅은체"/>
+              </a:rPr>
+              <a:t>어플과</a:t>
+            </a:r>
+            <a:r>
+              <a:rPr lang="en-US" altLang="ko-KR" sz="4000" b="1" dirty="0"/>
+              <a:t> </a:t>
+            </a:r>
+            <a:r>
+              <a:rPr lang="ko-KR" altLang="en-US" sz="4000" b="1" dirty="0" smtClean="0"/>
+              <a:t>연동하여 </a:t>
+            </a:r>
+            <a:endParaRPr lang="en-US" altLang="ko-KR" sz="4000" b="1" dirty="0" smtClean="0"/>
+          </a:p>
+          <a:p>
+            <a:pPr marL="0" marR="0" indent="0" algn="l" defTabSz="584200" rtl="0" fontAlgn="auto" latinLnBrk="1" hangingPunct="0">
+              <a:lnSpc>
+                <a:spcPct val="100000"/>
+              </a:lnSpc>
+              <a:spcBef>
+                <a:spcPts val="0"/>
+              </a:spcBef>
+              <a:spcAft>
+                <a:spcPts val="0"/>
+              </a:spcAft>
+              <a:buClrTx/>
+              <a:buSzTx/>
+              <a:buFontTx/>
+              <a:buNone/>
+              <a:tabLst/>
+            </a:pPr>
+            <a:r>
+              <a:rPr lang="ko-KR" altLang="en-US" sz="4000" b="1" dirty="0" smtClean="0"/>
+              <a:t>유모차의 현재 정보를 받아옴으로써 안정성 증진과</a:t>
+            </a:r>
+            <a:endParaRPr lang="en-US" altLang="ko-KR" sz="4000" b="1" dirty="0" smtClean="0"/>
+          </a:p>
+          <a:p>
+            <a:pPr marL="0" marR="0" indent="0" algn="l" defTabSz="584200" rtl="0" fontAlgn="auto" latinLnBrk="1" hangingPunct="0">
+              <a:lnSpc>
+                <a:spcPct val="100000"/>
+              </a:lnSpc>
+              <a:spcBef>
+                <a:spcPts val="0"/>
+              </a:spcBef>
+              <a:spcAft>
+                <a:spcPts val="0"/>
+              </a:spcAft>
+              <a:buClrTx/>
+              <a:buSzTx/>
+              <a:buFontTx/>
+              <a:buNone/>
+              <a:tabLst/>
+            </a:pPr>
+            <a:r>
+              <a:rPr lang="ko-KR" altLang="en-US" sz="4000" b="1" dirty="0" smtClean="0"/>
+              <a:t>편의를 꾀</a:t>
+            </a:r>
+            <a:r>
+              <a:rPr lang="ko-KR" altLang="en-US" sz="4000" b="1" dirty="0"/>
+              <a:t>함</a:t>
+            </a:r>
+            <a:endParaRPr lang="en-US" altLang="ko-KR" sz="4000" b="1" dirty="0"/>
+          </a:p>
+          <a:p>
+            <a:pPr marL="0" marR="0" indent="0" algn="l" defTabSz="584200" rtl="0" fontAlgn="auto" latinLnBrk="1" hangingPunct="0">
+              <a:lnSpc>
+                <a:spcPct val="100000"/>
+              </a:lnSpc>
+              <a:spcBef>
+                <a:spcPts val="0"/>
+              </a:spcBef>
+              <a:spcAft>
+                <a:spcPts val="0"/>
+              </a:spcAft>
+              <a:buClrTx/>
+              <a:buSzTx/>
+              <a:buFontTx/>
+              <a:buNone/>
+              <a:tabLst/>
+            </a:pPr>
+            <a:endParaRPr kumimoji="0" lang="ko-KR" altLang="en-US" sz="4000" b="1" i="0" u="none" strike="noStrike" cap="none" spc="0" normalizeH="0" baseline="0" dirty="0">
+              <a:ln>
+                <a:noFill/>
+              </a:ln>
+              <a:solidFill>
+                <a:srgbClr val="FFFFFF"/>
+              </a:solidFill>
+              <a:effectLst/>
+              <a:uFillTx/>
+              <a:sym typeface="Apple SD 산돌고딕 Neo 옅은체"/>
+            </a:endParaRPr>
+          </a:p>
+        </p:txBody>
+      </p:sp>
+      <p:sp>
+        <p:nvSpPr>
+          <p:cNvPr id="7" name="Shape 118"/>
+          <p:cNvSpPr/>
+          <p:nvPr/>
+        </p:nvSpPr>
+        <p:spPr>
+          <a:xfrm>
+            <a:off x="305036" y="1422400"/>
+            <a:ext cx="12394738" cy="8115300"/>
+          </a:xfrm>
+          <a:custGeom>
+            <a:avLst/>
+            <a:gdLst/>
+            <a:ahLst/>
+            <a:cxnLst>
+              <a:cxn ang="0">
+                <a:pos x="wd2" y="hd2"/>
+              </a:cxn>
+              <a:cxn ang="5400000">
+                <a:pos x="wd2" y="hd2"/>
+              </a:cxn>
+              <a:cxn ang="10800000">
+                <a:pos x="wd2" y="hd2"/>
+              </a:cxn>
+              <a:cxn ang="16200000">
+                <a:pos x="wd2" y="hd2"/>
+              </a:cxn>
+            </a:cxnLst>
+            <a:rect l="0" t="0" r="r" b="b"/>
+            <a:pathLst>
+              <a:path w="21455" h="21600" extrusionOk="0">
+                <a:moveTo>
+                  <a:pt x="1480" y="69"/>
+                </a:moveTo>
+                <a:lnTo>
+                  <a:pt x="21371" y="0"/>
+                </a:lnTo>
+                <a:cubicBezTo>
+                  <a:pt x="21247" y="3598"/>
+                  <a:pt x="21247" y="7202"/>
+                  <a:pt x="21371" y="10800"/>
+                </a:cubicBezTo>
+                <a:cubicBezTo>
+                  <a:pt x="21433" y="12601"/>
+                  <a:pt x="21525" y="14410"/>
+                  <a:pt x="21371" y="16200"/>
+                </a:cubicBezTo>
+                <a:cubicBezTo>
+                  <a:pt x="21207" y="18096"/>
+                  <a:pt x="20772" y="19916"/>
+                  <a:pt x="20095" y="21531"/>
+                </a:cubicBezTo>
+                <a:lnTo>
+                  <a:pt x="91" y="21600"/>
+                </a:lnTo>
+                <a:cubicBezTo>
+                  <a:pt x="223" y="18003"/>
+                  <a:pt x="223" y="14397"/>
+                  <a:pt x="91" y="10800"/>
+                </a:cubicBezTo>
+                <a:cubicBezTo>
+                  <a:pt x="24" y="8999"/>
+                  <a:pt x="-75" y="7188"/>
+                  <a:pt x="91" y="5400"/>
+                </a:cubicBezTo>
+                <a:cubicBezTo>
+                  <a:pt x="268" y="3482"/>
+                  <a:pt x="745" y="1655"/>
+                  <a:pt x="1480" y="69"/>
+                </a:cubicBezTo>
+                <a:close/>
+              </a:path>
+            </a:pathLst>
+          </a:custGeom>
+          <a:ln>
+            <a:solidFill>
+              <a:srgbClr val="12DBE3"/>
+            </a:solidFill>
+            <a:miter lim="400000"/>
+          </a:ln>
+          <a:effectLst>
+            <a:outerShdw blurRad="101600" dist="100889" dir="5400000" rotWithShape="0">
+              <a:srgbClr val="00A6AC"/>
+            </a:outerShdw>
+          </a:effectLst>
+        </p:spPr>
+        <p:txBody>
+          <a:bodyPr lIns="0" tIns="0" rIns="0" bIns="0" anchor="ctr"/>
+          <a:lstStyle/>
+          <a:p>
+            <a:pPr lvl="0">
+              <a:defRPr sz="2600"/>
+            </a:pPr>
+            <a:endParaRPr/>
           </a:p>
         </p:txBody>
       </p:sp>
@@ -7490,8 +7751,8 @@
         </p:nvSpPr>
         <p:spPr>
           <a:xfrm>
-            <a:off x="477824" y="285750"/>
-            <a:ext cx="6689752" cy="876301"/>
+            <a:off x="2405647" y="331485"/>
+            <a:ext cx="2834110" cy="784830"/>
           </a:xfrm>
           <a:prstGeom prst="rect">
             <a:avLst/>
@@ -7506,7 +7767,7 @@
           </a:effectLst>
           <a:extLst>
             <a:ext uri="{C572A759-6A51-4108-AA02-DFA0A04FC94B}">
-              <ma14:wrappingTextBoxFlag xmlns:ma14="http://schemas.microsoft.com/office/mac/drawingml/2011/main" xmlns="" val="1"/>
+              <ma14:wrappingTextBoxFlag xmlns="" xmlns:ma14="http://schemas.microsoft.com/office/mac/drawingml/2011/main" val="1"/>
             </a:ext>
           </a:extLst>
         </p:spPr>
@@ -7532,111 +7793,18 @@
               </a:defRPr>
             </a:pPr>
             <a:r>
-              <a:rPr sz="5100" u="sng">
+              <a:rPr lang="ko-KR" altLang="en-US" sz="5100" b="1" u="sng" dirty="0" smtClean="0">
                 <a:solidFill>
                   <a:srgbClr val="90D7DA"/>
                 </a:solidFill>
               </a:rPr>
-              <a:t>CONTENT Include Photo</a:t>
+              <a:t>작동 원리</a:t>
             </a:r>
-          </a:p>
-        </p:txBody>
-      </p:sp>
-      <p:sp>
-        <p:nvSpPr>
-          <p:cNvPr id="100" name="Shape 100"/>
-          <p:cNvSpPr/>
-          <p:nvPr/>
-        </p:nvSpPr>
-        <p:spPr>
-          <a:xfrm>
-            <a:off x="7251937" y="1478761"/>
-            <a:ext cx="5651036" cy="3340101"/>
-          </a:xfrm>
-          <a:custGeom>
-            <a:avLst/>
-            <a:gdLst/>
-            <a:ahLst/>
-            <a:cxnLst>
-              <a:cxn ang="0">
-                <a:pos x="wd2" y="hd2"/>
-              </a:cxn>
-              <a:cxn ang="5400000">
-                <a:pos x="wd2" y="hd2"/>
-              </a:cxn>
-              <a:cxn ang="10800000">
-                <a:pos x="wd2" y="hd2"/>
-              </a:cxn>
-              <a:cxn ang="16200000">
-                <a:pos x="wd2" y="hd2"/>
-              </a:cxn>
-            </a:cxnLst>
-            <a:rect l="0" t="0" r="r" b="b"/>
-            <a:pathLst>
-              <a:path w="21455" h="21600" extrusionOk="0">
-                <a:moveTo>
-                  <a:pt x="1480" y="69"/>
-                </a:moveTo>
-                <a:lnTo>
-                  <a:pt x="21371" y="0"/>
-                </a:lnTo>
-                <a:cubicBezTo>
-                  <a:pt x="21247" y="3598"/>
-                  <a:pt x="21247" y="7202"/>
-                  <a:pt x="21371" y="10800"/>
-                </a:cubicBezTo>
-                <a:cubicBezTo>
-                  <a:pt x="21433" y="12601"/>
-                  <a:pt x="21525" y="14410"/>
-                  <a:pt x="21371" y="16200"/>
-                </a:cubicBezTo>
-                <a:cubicBezTo>
-                  <a:pt x="21207" y="18096"/>
-                  <a:pt x="20772" y="19916"/>
-                  <a:pt x="20095" y="21531"/>
-                </a:cubicBezTo>
-                <a:lnTo>
-                  <a:pt x="91" y="21600"/>
-                </a:lnTo>
-                <a:cubicBezTo>
-                  <a:pt x="223" y="18003"/>
-                  <a:pt x="223" y="14397"/>
-                  <a:pt x="91" y="10800"/>
-                </a:cubicBezTo>
-                <a:cubicBezTo>
-                  <a:pt x="24" y="8999"/>
-                  <a:pt x="-75" y="7188"/>
-                  <a:pt x="91" y="5400"/>
-                </a:cubicBezTo>
-                <a:cubicBezTo>
-                  <a:pt x="268" y="3482"/>
-                  <a:pt x="745" y="1655"/>
-                  <a:pt x="1480" y="69"/>
-                </a:cubicBezTo>
-                <a:close/>
-              </a:path>
-            </a:pathLst>
-          </a:custGeom>
-          <a:ln>
-            <a:solidFill>
-              <a:srgbClr val="12DBE3"/>
-            </a:solidFill>
-            <a:miter lim="400000"/>
-          </a:ln>
-          <a:effectLst>
-            <a:outerShdw blurRad="101600" dist="100889" dir="5400000" rotWithShape="0">
-              <a:srgbClr val="00A6AC"/>
-            </a:outerShdw>
-          </a:effectLst>
-        </p:spPr>
-        <p:txBody>
-          <a:bodyPr lIns="0" tIns="0" rIns="0" bIns="0" anchor="ctr"/>
-          <a:lstStyle/>
-          <a:p>
-            <a:pPr lvl="0">
-              <a:defRPr sz="2600"/>
-            </a:pPr>
-            <a:endParaRPr/>
+            <a:endParaRPr sz="5100" b="1" u="sng" dirty="0">
+              <a:solidFill>
+                <a:srgbClr val="90D7DA"/>
+              </a:solidFill>
+            </a:endParaRPr>
           </a:p>
         </p:txBody>
       </p:sp>
@@ -7648,8 +7816,8 @@
         </p:nvSpPr>
         <p:spPr>
           <a:xfrm>
-            <a:off x="987386" y="1695450"/>
-            <a:ext cx="3689428" cy="723901"/>
+            <a:off x="2832067" y="1741929"/>
+            <a:ext cx="65" cy="630942"/>
           </a:xfrm>
           <a:prstGeom prst="rect">
             <a:avLst/>
@@ -7664,7 +7832,7 @@
           </a:effectLst>
           <a:extLst>
             <a:ext uri="{C572A759-6A51-4108-AA02-DFA0A04FC94B}">
-              <ma14:wrappingTextBoxFlag xmlns:ma14="http://schemas.microsoft.com/office/mac/drawingml/2011/main" xmlns="" val="1"/>
+              <ma14:wrappingTextBoxFlag xmlns="" xmlns:ma14="http://schemas.microsoft.com/office/mac/drawingml/2011/main" val="1"/>
             </a:ext>
           </a:extLst>
         </p:spPr>
@@ -7689,340 +7857,11 @@
                 </a:solidFill>
               </a:defRPr>
             </a:pPr>
-            <a:r>
-              <a:rPr sz="4100">
-                <a:solidFill>
-                  <a:srgbClr val="90D7DA"/>
-                </a:solidFill>
-              </a:rPr>
-              <a:t>This is a my blog</a:t>
-            </a:r>
-          </a:p>
-        </p:txBody>
-      </p:sp>
-      <p:pic>
-        <p:nvPicPr>
-          <p:cNvPr id="102" name="스크린샷 2015-07-28 오전 8.03.37.png"/>
-          <p:cNvPicPr/>
-          <p:nvPr/>
-        </p:nvPicPr>
-        <p:blipFill>
-          <a:blip r:embed="rId2">
-            <a:alphaModFix amt="60516"/>
-            <a:extLst/>
-          </a:blip>
-          <a:stretch>
-            <a:fillRect/>
-          </a:stretch>
-        </p:blipFill>
-        <p:spPr>
-          <a:xfrm>
-            <a:off x="7737314" y="1628364"/>
-            <a:ext cx="4807277" cy="3040895"/>
-          </a:xfrm>
-          <a:prstGeom prst="rect">
-            <a:avLst/>
-          </a:prstGeom>
-          <a:ln w="12700">
-            <a:miter lim="400000"/>
-          </a:ln>
-        </p:spPr>
-      </p:pic>
-      <p:sp>
-        <p:nvSpPr>
-          <p:cNvPr id="103" name="Shape 103"/>
-          <p:cNvSpPr/>
-          <p:nvPr/>
-        </p:nvSpPr>
-        <p:spPr>
-          <a:xfrm>
-            <a:off x="470137" y="1473200"/>
-            <a:ext cx="6413036" cy="7708900"/>
-          </a:xfrm>
-          <a:custGeom>
-            <a:avLst/>
-            <a:gdLst/>
-            <a:ahLst/>
-            <a:cxnLst>
-              <a:cxn ang="0">
-                <a:pos x="wd2" y="hd2"/>
-              </a:cxn>
-              <a:cxn ang="5400000">
-                <a:pos x="wd2" y="hd2"/>
-              </a:cxn>
-              <a:cxn ang="10800000">
-                <a:pos x="wd2" y="hd2"/>
-              </a:cxn>
-              <a:cxn ang="16200000">
-                <a:pos x="wd2" y="hd2"/>
-              </a:cxn>
-            </a:cxnLst>
-            <a:rect l="0" t="0" r="r" b="b"/>
-            <a:pathLst>
-              <a:path w="21455" h="21600" extrusionOk="0">
-                <a:moveTo>
-                  <a:pt x="1480" y="69"/>
-                </a:moveTo>
-                <a:lnTo>
-                  <a:pt x="21371" y="0"/>
-                </a:lnTo>
-                <a:cubicBezTo>
-                  <a:pt x="21247" y="3598"/>
-                  <a:pt x="21247" y="7202"/>
-                  <a:pt x="21371" y="10800"/>
-                </a:cubicBezTo>
-                <a:cubicBezTo>
-                  <a:pt x="21433" y="12601"/>
-                  <a:pt x="21525" y="14410"/>
-                  <a:pt x="21371" y="16200"/>
-                </a:cubicBezTo>
-                <a:cubicBezTo>
-                  <a:pt x="21207" y="18096"/>
-                  <a:pt x="20772" y="19916"/>
-                  <a:pt x="20095" y="21531"/>
-                </a:cubicBezTo>
-                <a:lnTo>
-                  <a:pt x="91" y="21600"/>
-                </a:lnTo>
-                <a:cubicBezTo>
-                  <a:pt x="223" y="18003"/>
-                  <a:pt x="223" y="14397"/>
-                  <a:pt x="91" y="10800"/>
-                </a:cubicBezTo>
-                <a:cubicBezTo>
-                  <a:pt x="24" y="8999"/>
-                  <a:pt x="-75" y="7188"/>
-                  <a:pt x="91" y="5400"/>
-                </a:cubicBezTo>
-                <a:cubicBezTo>
-                  <a:pt x="268" y="3482"/>
-                  <a:pt x="745" y="1655"/>
-                  <a:pt x="1480" y="69"/>
-                </a:cubicBezTo>
-                <a:close/>
-              </a:path>
-            </a:pathLst>
-          </a:custGeom>
-          <a:ln>
-            <a:solidFill>
-              <a:srgbClr val="12DBE3"/>
-            </a:solidFill>
-            <a:miter lim="400000"/>
-          </a:ln>
-          <a:effectLst>
-            <a:outerShdw blurRad="101600" dist="100889" dir="5400000" rotWithShape="0">
-              <a:srgbClr val="00A6AC"/>
-            </a:outerShdw>
-          </a:effectLst>
-        </p:spPr>
-        <p:txBody>
-          <a:bodyPr lIns="0" tIns="0" rIns="0" bIns="0" anchor="ctr"/>
-          <a:lstStyle/>
-          <a:p>
-            <a:pPr lvl="0">
-              <a:defRPr sz="2600"/>
-            </a:pPr>
-            <a:endParaRPr/>
-          </a:p>
-        </p:txBody>
-      </p:sp>
-      <p:sp>
-        <p:nvSpPr>
-          <p:cNvPr id="104" name="Shape 104"/>
-          <p:cNvSpPr/>
-          <p:nvPr/>
-        </p:nvSpPr>
-        <p:spPr>
-          <a:xfrm>
-            <a:off x="9258300" y="4812511"/>
-            <a:ext cx="3311919" cy="330201"/>
-          </a:xfrm>
-          <a:prstGeom prst="rect">
-            <a:avLst/>
-          </a:prstGeom>
-          <a:solidFill>
-            <a:srgbClr val="12DBE3"/>
-          </a:solidFill>
-          <a:ln w="12700">
-            <a:miter lim="400000"/>
-          </a:ln>
-          <a:effectLst>
-            <a:outerShdw blurRad="101600" dist="52043" dir="5400000" rotWithShape="0">
-              <a:srgbClr val="00A6AC"/>
-            </a:outerShdw>
-          </a:effectLst>
-        </p:spPr>
-        <p:txBody>
-          <a:bodyPr lIns="0" tIns="0" rIns="0" bIns="0"/>
-          <a:lstStyle/>
-          <a:p>
-            <a:pPr lvl="0">
-              <a:defRPr sz="2300"/>
-            </a:pPr>
-            <a:endParaRPr/>
-          </a:p>
-        </p:txBody>
-      </p:sp>
-      <p:sp>
-        <p:nvSpPr>
-          <p:cNvPr id="105" name="Shape 105"/>
-          <p:cNvSpPr/>
-          <p:nvPr/>
-        </p:nvSpPr>
-        <p:spPr>
-          <a:xfrm>
-            <a:off x="7251937" y="5517361"/>
-            <a:ext cx="5651036" cy="3340101"/>
-          </a:xfrm>
-          <a:custGeom>
-            <a:avLst/>
-            <a:gdLst/>
-            <a:ahLst/>
-            <a:cxnLst>
-              <a:cxn ang="0">
-                <a:pos x="wd2" y="hd2"/>
-              </a:cxn>
-              <a:cxn ang="5400000">
-                <a:pos x="wd2" y="hd2"/>
-              </a:cxn>
-              <a:cxn ang="10800000">
-                <a:pos x="wd2" y="hd2"/>
-              </a:cxn>
-              <a:cxn ang="16200000">
-                <a:pos x="wd2" y="hd2"/>
-              </a:cxn>
-            </a:cxnLst>
-            <a:rect l="0" t="0" r="r" b="b"/>
-            <a:pathLst>
-              <a:path w="21455" h="21600" extrusionOk="0">
-                <a:moveTo>
-                  <a:pt x="1480" y="69"/>
-                </a:moveTo>
-                <a:lnTo>
-                  <a:pt x="21371" y="0"/>
-                </a:lnTo>
-                <a:cubicBezTo>
-                  <a:pt x="21247" y="3598"/>
-                  <a:pt x="21247" y="7202"/>
-                  <a:pt x="21371" y="10800"/>
-                </a:cubicBezTo>
-                <a:cubicBezTo>
-                  <a:pt x="21433" y="12601"/>
-                  <a:pt x="21525" y="14410"/>
-                  <a:pt x="21371" y="16200"/>
-                </a:cubicBezTo>
-                <a:cubicBezTo>
-                  <a:pt x="21207" y="18096"/>
-                  <a:pt x="20772" y="19916"/>
-                  <a:pt x="20095" y="21531"/>
-                </a:cubicBezTo>
-                <a:lnTo>
-                  <a:pt x="91" y="21600"/>
-                </a:lnTo>
-                <a:cubicBezTo>
-                  <a:pt x="223" y="18003"/>
-                  <a:pt x="223" y="14397"/>
-                  <a:pt x="91" y="10800"/>
-                </a:cubicBezTo>
-                <a:cubicBezTo>
-                  <a:pt x="24" y="8999"/>
-                  <a:pt x="-75" y="7188"/>
-                  <a:pt x="91" y="5400"/>
-                </a:cubicBezTo>
-                <a:cubicBezTo>
-                  <a:pt x="268" y="3482"/>
-                  <a:pt x="745" y="1655"/>
-                  <a:pt x="1480" y="69"/>
-                </a:cubicBezTo>
-                <a:close/>
-              </a:path>
-            </a:pathLst>
-          </a:custGeom>
-          <a:ln>
-            <a:solidFill>
-              <a:srgbClr val="12DBE3"/>
-            </a:solidFill>
-            <a:miter lim="400000"/>
-          </a:ln>
-          <a:effectLst>
-            <a:outerShdw blurRad="101600" dist="100889" dir="5400000" rotWithShape="0">
-              <a:srgbClr val="00A6AC"/>
-            </a:outerShdw>
-          </a:effectLst>
-        </p:spPr>
-        <p:txBody>
-          <a:bodyPr lIns="0" tIns="0" rIns="0" bIns="0" anchor="ctr"/>
-          <a:lstStyle/>
-          <a:p>
-            <a:pPr lvl="0">
-              <a:defRPr sz="2600"/>
-            </a:pPr>
-            <a:endParaRPr/>
-          </a:p>
-        </p:txBody>
-      </p:sp>
-      <p:pic>
-        <p:nvPicPr>
-          <p:cNvPr id="106" name="스크린샷 2015-07-28 오전 8.03.37.png"/>
-          <p:cNvPicPr/>
-          <p:nvPr/>
-        </p:nvPicPr>
-        <p:blipFill>
-          <a:blip r:embed="rId2">
-            <a:alphaModFix amt="60516"/>
-            <a:extLst/>
-          </a:blip>
-          <a:stretch>
-            <a:fillRect/>
-          </a:stretch>
-        </p:blipFill>
-        <p:spPr>
-          <a:xfrm>
-            <a:off x="7737314" y="5666964"/>
-            <a:ext cx="4807277" cy="3040895"/>
-          </a:xfrm>
-          <a:prstGeom prst="rect">
-            <a:avLst/>
-          </a:prstGeom>
-          <a:ln w="12700">
-            <a:miter lim="400000"/>
-          </a:ln>
-        </p:spPr>
-      </p:pic>
-      <p:sp>
-        <p:nvSpPr>
-          <p:cNvPr id="107" name="Shape 107"/>
-          <p:cNvSpPr/>
-          <p:nvPr/>
-        </p:nvSpPr>
-        <p:spPr>
-          <a:xfrm>
-            <a:off x="9258300" y="8851111"/>
-            <a:ext cx="3311919" cy="330201"/>
-          </a:xfrm>
-          <a:prstGeom prst="rect">
-            <a:avLst/>
-          </a:prstGeom>
-          <a:solidFill>
-            <a:srgbClr val="12DBE3"/>
-          </a:solidFill>
-          <a:ln w="12700">
-            <a:miter lim="400000"/>
-          </a:ln>
-          <a:effectLst>
-            <a:outerShdw blurRad="101600" dist="52043" dir="5400000" rotWithShape="0">
-              <a:srgbClr val="00A6AC"/>
-            </a:outerShdw>
-          </a:effectLst>
-        </p:spPr>
-        <p:txBody>
-          <a:bodyPr lIns="0" tIns="0" rIns="0" bIns="0"/>
-          <a:lstStyle/>
-          <a:p>
-            <a:pPr lvl="0">
-              <a:defRPr sz="2300"/>
-            </a:pPr>
-            <a:endParaRPr/>
+            <a:endParaRPr sz="4100" dirty="0">
+              <a:solidFill>
+                <a:srgbClr val="90D7DA"/>
+              </a:solidFill>
+            </a:endParaRPr>
           </a:p>
         </p:txBody>
       </p:sp>
@@ -8216,7 +8055,7 @@
           </a:effectLst>
           <a:extLst>
             <a:ext uri="{C572A759-6A51-4108-AA02-DFA0A04FC94B}">
-              <ma14:wrappingTextBoxFlag xmlns:ma14="http://schemas.microsoft.com/office/mac/drawingml/2011/main" xmlns="" val="1"/>
+              <ma14:wrappingTextBoxFlag xmlns="" xmlns:ma14="http://schemas.microsoft.com/office/mac/drawingml/2011/main" val="1"/>
             </a:ext>
           </a:extLst>
         </p:spPr>
@@ -8387,7 +8226,7 @@
               <a:effectLst/>
               <a:extLst>
                 <a:ext uri="{C572A759-6A51-4108-AA02-DFA0A04FC94B}">
-                  <ma14:wrappingTextBoxFlag xmlns:ma14="http://schemas.microsoft.com/office/mac/drawingml/2011/main" xmlns="" val="1"/>
+                  <ma14:wrappingTextBoxFlag xmlns="" xmlns:ma14="http://schemas.microsoft.com/office/mac/drawingml/2011/main" val="1"/>
                 </a:ext>
               </a:extLst>
             </p:spPr>
@@ -8604,7 +8443,7 @@
           </a:effectLst>
           <a:extLst>
             <a:ext uri="{C572A759-6A51-4108-AA02-DFA0A04FC94B}">
-              <ma14:wrappingTextBoxFlag xmlns:ma14="http://schemas.microsoft.com/office/mac/drawingml/2011/main" xmlns="" val="1"/>
+              <ma14:wrappingTextBoxFlag xmlns="" xmlns:ma14="http://schemas.microsoft.com/office/mac/drawingml/2011/main" val="1"/>
             </a:ext>
           </a:extLst>
         </p:spPr>
